--- a/Publications/LTER Recommendations/MethodsFigure.pptx
+++ b/Publications/LTER Recommendations/MethodsFigure.pptx
@@ -116,7 +116,7 @@
             <a:srgbClr val="A4A3A4"/>
           </p15:clr>
         </p15:guide>
-        <p15:guide id="2" pos="3384" userDrawn="1">
+        <p15:guide id="2" pos="3840" userDrawn="1">
           <p15:clr>
             <a:srgbClr val="A4A3A4"/>
           </p15:clr>

--- a/Publications/LTER Recommendations/MethodsFigure.pptx
+++ b/Publications/LTER Recommendations/MethodsFigure.pptx
@@ -209,7 +209,7 @@
           <a:p>
             <a:fld id="{307A9BE9-B905-094E-BB85-FDD366C8725E}" type="datetimeFigureOut">
               <a:rPr lang="en-US" smtClean="0"/>
-              <a:t>4/6/17</a:t>
+              <a:t>5/22/17</a:t>
             </a:fld>
             <a:endParaRPr lang="en-US"/>
           </a:p>
@@ -608,7 +608,7 @@
           <a:p>
             <a:fld id="{5E693202-AC83-3D4C-BF69-49D5729514D1}" type="datetimeFigureOut">
               <a:rPr lang="en-US" smtClean="0"/>
-              <a:t>4/6/17</a:t>
+              <a:t>5/22/17</a:t>
             </a:fld>
             <a:endParaRPr lang="en-US"/>
           </a:p>
@@ -778,7 +778,7 @@
           <a:p>
             <a:fld id="{5E693202-AC83-3D4C-BF69-49D5729514D1}" type="datetimeFigureOut">
               <a:rPr lang="en-US" smtClean="0"/>
-              <a:t>4/6/17</a:t>
+              <a:t>5/22/17</a:t>
             </a:fld>
             <a:endParaRPr lang="en-US"/>
           </a:p>
@@ -958,7 +958,7 @@
           <a:p>
             <a:fld id="{5E693202-AC83-3D4C-BF69-49D5729514D1}" type="datetimeFigureOut">
               <a:rPr lang="en-US" smtClean="0"/>
-              <a:t>4/6/17</a:t>
+              <a:t>5/22/17</a:t>
             </a:fld>
             <a:endParaRPr lang="en-US"/>
           </a:p>
@@ -1128,7 +1128,7 @@
           <a:p>
             <a:fld id="{5E693202-AC83-3D4C-BF69-49D5729514D1}" type="datetimeFigureOut">
               <a:rPr lang="en-US" smtClean="0"/>
-              <a:t>4/6/17</a:t>
+              <a:t>5/22/17</a:t>
             </a:fld>
             <a:endParaRPr lang="en-US"/>
           </a:p>
@@ -1374,7 +1374,7 @@
           <a:p>
             <a:fld id="{5E693202-AC83-3D4C-BF69-49D5729514D1}" type="datetimeFigureOut">
               <a:rPr lang="en-US" smtClean="0"/>
-              <a:t>4/6/17</a:t>
+              <a:t>5/22/17</a:t>
             </a:fld>
             <a:endParaRPr lang="en-US"/>
           </a:p>
@@ -1606,7 +1606,7 @@
           <a:p>
             <a:fld id="{5E693202-AC83-3D4C-BF69-49D5729514D1}" type="datetimeFigureOut">
               <a:rPr lang="en-US" smtClean="0"/>
-              <a:t>4/6/17</a:t>
+              <a:t>5/22/17</a:t>
             </a:fld>
             <a:endParaRPr lang="en-US"/>
           </a:p>
@@ -1973,7 +1973,7 @@
           <a:p>
             <a:fld id="{5E693202-AC83-3D4C-BF69-49D5729514D1}" type="datetimeFigureOut">
               <a:rPr lang="en-US" smtClean="0"/>
-              <a:t>4/6/17</a:t>
+              <a:t>5/22/17</a:t>
             </a:fld>
             <a:endParaRPr lang="en-US"/>
           </a:p>
@@ -2091,7 +2091,7 @@
           <a:p>
             <a:fld id="{5E693202-AC83-3D4C-BF69-49D5729514D1}" type="datetimeFigureOut">
               <a:rPr lang="en-US" smtClean="0"/>
-              <a:t>4/6/17</a:t>
+              <a:t>5/22/17</a:t>
             </a:fld>
             <a:endParaRPr lang="en-US"/>
           </a:p>
@@ -2186,7 +2186,7 @@
           <a:p>
             <a:fld id="{5E693202-AC83-3D4C-BF69-49D5729514D1}" type="datetimeFigureOut">
               <a:rPr lang="en-US" smtClean="0"/>
-              <a:t>4/6/17</a:t>
+              <a:t>5/22/17</a:t>
             </a:fld>
             <a:endParaRPr lang="en-US"/>
           </a:p>
@@ -2463,7 +2463,7 @@
           <a:p>
             <a:fld id="{5E693202-AC83-3D4C-BF69-49D5729514D1}" type="datetimeFigureOut">
               <a:rPr lang="en-US" smtClean="0"/>
-              <a:t>4/6/17</a:t>
+              <a:t>5/22/17</a:t>
             </a:fld>
             <a:endParaRPr lang="en-US"/>
           </a:p>
@@ -2716,7 +2716,7 @@
           <a:p>
             <a:fld id="{5E693202-AC83-3D4C-BF69-49D5729514D1}" type="datetimeFigureOut">
               <a:rPr lang="en-US" smtClean="0"/>
-              <a:t>4/6/17</a:t>
+              <a:t>5/22/17</a:t>
             </a:fld>
             <a:endParaRPr lang="en-US"/>
           </a:p>
@@ -2929,7 +2929,7 @@
           <a:p>
             <a:fld id="{5E693202-AC83-3D4C-BF69-49D5729514D1}" type="datetimeFigureOut">
               <a:rPr lang="en-US" smtClean="0"/>
-              <a:t>4/6/17</a:t>
+              <a:t>5/22/17</a:t>
             </a:fld>
             <a:endParaRPr lang="en-US"/>
           </a:p>
@@ -27402,7 +27402,7 @@
         </p:nvSpPr>
         <p:spPr>
           <a:xfrm>
-            <a:off x="3736715" y="3986289"/>
+            <a:off x="3738304" y="3986289"/>
             <a:ext cx="2092965" cy="1282262"/>
           </a:xfrm>
           <a:prstGeom prst="rect">
@@ -27448,7 +27448,7 @@
         </p:nvSpPr>
         <p:spPr>
           <a:xfrm>
-            <a:off x="6361012" y="3986289"/>
+            <a:off x="6369054" y="3986289"/>
             <a:ext cx="2092965" cy="1282262"/>
           </a:xfrm>
           <a:prstGeom prst="rect">
@@ -29560,8 +29560,8 @@
         </p:nvSpPr>
         <p:spPr>
           <a:xfrm>
-            <a:off x="1083576" y="5275087"/>
-            <a:ext cx="1837362" cy="369332"/>
+            <a:off x="871178" y="5275087"/>
+            <a:ext cx="2262158" cy="369332"/>
           </a:xfrm>
           <a:prstGeom prst="rect">
             <a:avLst/>
@@ -29576,7 +29576,19 @@
           <a:p>
             <a:r>
               <a:rPr lang="en-US" dirty="0" smtClean="0"/>
-              <a:t>H = 100% L = 50%</a:t>
+              <a:t>A/H </a:t>
+            </a:r>
+            <a:r>
+              <a:rPr lang="en-US" dirty="0" smtClean="0"/>
+              <a:t>= 100% </a:t>
+            </a:r>
+            <a:r>
+              <a:rPr lang="en-US" dirty="0" smtClean="0"/>
+              <a:t>E/L </a:t>
+            </a:r>
+            <a:r>
+              <a:rPr lang="en-US" dirty="0" smtClean="0"/>
+              <a:t>= 50%</a:t>
             </a:r>
             <a:endParaRPr lang="en-US" dirty="0"/>
           </a:p>
@@ -29590,8 +29602,8 @@
         </p:nvSpPr>
         <p:spPr>
           <a:xfrm>
-            <a:off x="3864516" y="5275087"/>
-            <a:ext cx="1837362" cy="369332"/>
+            <a:off x="3653707" y="5275087"/>
+            <a:ext cx="2262158" cy="369332"/>
           </a:xfrm>
           <a:prstGeom prst="rect">
             <a:avLst/>
@@ -29606,7 +29618,19 @@
           <a:p>
             <a:r>
               <a:rPr lang="en-US" dirty="0" smtClean="0"/>
-              <a:t>H = 66% L = 100%</a:t>
+              <a:t>A/H </a:t>
+            </a:r>
+            <a:r>
+              <a:rPr lang="en-US" dirty="0" smtClean="0"/>
+              <a:t>= 66% </a:t>
+            </a:r>
+            <a:r>
+              <a:rPr lang="en-US" dirty="0" smtClean="0"/>
+              <a:t>E/L </a:t>
+            </a:r>
+            <a:r>
+              <a:rPr lang="en-US" dirty="0" smtClean="0"/>
+              <a:t>= 100%</a:t>
             </a:r>
             <a:endParaRPr lang="en-US" dirty="0"/>
           </a:p>
@@ -29854,8 +29878,8 @@
         </p:nvSpPr>
         <p:spPr>
           <a:xfrm>
-            <a:off x="6481577" y="5275087"/>
-            <a:ext cx="1903085" cy="369332"/>
+            <a:off x="6256405" y="5275087"/>
+            <a:ext cx="2318263" cy="369332"/>
           </a:xfrm>
           <a:prstGeom prst="rect">
             <a:avLst/>
@@ -29870,7 +29894,19 @@
           <a:p>
             <a:r>
               <a:rPr lang="en-US" dirty="0" smtClean="0"/>
-              <a:t>O = 33% Q = 100%</a:t>
+              <a:t>C/O </a:t>
+            </a:r>
+            <a:r>
+              <a:rPr lang="en-US" dirty="0" smtClean="0"/>
+              <a:t>= 33% </a:t>
+            </a:r>
+            <a:r>
+              <a:rPr lang="en-US" dirty="0" smtClean="0"/>
+              <a:t>E/Q </a:t>
+            </a:r>
+            <a:r>
+              <a:rPr lang="en-US" dirty="0" smtClean="0"/>
+              <a:t>= 100%</a:t>
             </a:r>
             <a:endParaRPr lang="en-US" dirty="0"/>
           </a:p>
@@ -29884,8 +29920,8 @@
         </p:nvSpPr>
         <p:spPr>
           <a:xfrm>
-            <a:off x="9342593" y="5275087"/>
-            <a:ext cx="1669047" cy="369332"/>
+            <a:off x="9182235" y="5275087"/>
+            <a:ext cx="2084225" cy="369332"/>
           </a:xfrm>
           <a:prstGeom prst="rect">
             <a:avLst/>
@@ -29900,7 +29936,19 @@
           <a:p>
             <a:r>
               <a:rPr lang="en-US" dirty="0" smtClean="0"/>
-              <a:t>O = 50% Q = 0%</a:t>
+              <a:t>C/O </a:t>
+            </a:r>
+            <a:r>
+              <a:rPr lang="en-US" dirty="0" smtClean="0"/>
+              <a:t>= 50% </a:t>
+            </a:r>
+            <a:r>
+              <a:rPr lang="en-US" dirty="0" smtClean="0"/>
+              <a:t>E/Q </a:t>
+            </a:r>
+            <a:r>
+              <a:rPr lang="en-US" dirty="0" smtClean="0"/>
+              <a:t>= 0%</a:t>
             </a:r>
             <a:endParaRPr lang="en-US" dirty="0"/>
           </a:p>
@@ -30100,7 +30148,7 @@
         </p:nvSpPr>
         <p:spPr>
           <a:xfrm>
-            <a:off x="3752220" y="5551046"/>
+            <a:off x="3779447" y="5551046"/>
             <a:ext cx="2010679" cy="369332"/>
           </a:xfrm>
           <a:prstGeom prst="rect">
@@ -30130,7 +30178,7 @@
         </p:nvSpPr>
         <p:spPr>
           <a:xfrm>
-            <a:off x="6427780" y="5539795"/>
+            <a:off x="6410197" y="5539795"/>
             <a:ext cx="2010679" cy="369332"/>
           </a:xfrm>
           <a:prstGeom prst="rect">
@@ -30146,23 +30194,7 @@
           <a:p>
             <a:r>
               <a:rPr lang="en-US" dirty="0" smtClean="0"/>
-              <a:t>Groups: 0 </a:t>
-            </a:r>
-            <a:r>
-              <a:rPr lang="en-US" dirty="0" smtClean="0"/>
-              <a:t>0 </a:t>
-            </a:r>
-            <a:r>
-              <a:rPr lang="en-US" dirty="0" smtClean="0"/>
-              <a:t>and </a:t>
-            </a:r>
-            <a:r>
-              <a:rPr lang="en-US" dirty="0" smtClean="0"/>
-              <a:t>1 </a:t>
-            </a:r>
-            <a:r>
-              <a:rPr lang="en-US" dirty="0" smtClean="0"/>
-              <a:t>0</a:t>
+              <a:t>Groups: 0 0 and 1 0</a:t>
             </a:r>
             <a:endParaRPr lang="en-US" dirty="0"/>
           </a:p>
@@ -30176,7 +30208,7 @@
         </p:nvSpPr>
         <p:spPr>
           <a:xfrm>
-            <a:off x="9171777" y="5539795"/>
+            <a:off x="9219008" y="5539795"/>
             <a:ext cx="2010679" cy="369332"/>
           </a:xfrm>
           <a:prstGeom prst="rect">
@@ -30192,139 +30224,7 @@
           <a:p>
             <a:r>
               <a:rPr lang="en-US" dirty="0" smtClean="0"/>
-              <a:t>Groups: 0 </a:t>
-            </a:r>
-            <a:r>
-              <a:rPr lang="en-US" dirty="0" smtClean="0"/>
-              <a:t>1 </a:t>
-            </a:r>
-            <a:r>
-              <a:rPr lang="en-US" dirty="0" smtClean="0"/>
-              <a:t>and 1 </a:t>
-            </a:r>
-            <a:r>
-              <a:rPr lang="en-US" dirty="0" smtClean="0"/>
-              <a:t>1</a:t>
-            </a:r>
-            <a:endParaRPr lang="en-US" dirty="0"/>
-          </a:p>
-        </p:txBody>
-      </p:sp>
-      <p:sp>
-        <p:nvSpPr>
-          <p:cNvPr id="370" name="TextBox 369"/>
-          <p:cNvSpPr txBox="1"/>
-          <p:nvPr/>
-        </p:nvSpPr>
-        <p:spPr>
-          <a:xfrm>
-            <a:off x="1008460" y="5845726"/>
-            <a:ext cx="1987595" cy="369332"/>
-          </a:xfrm>
-          <a:prstGeom prst="rect">
-            <a:avLst/>
-          </a:prstGeom>
-          <a:noFill/>
-        </p:spPr>
-        <p:txBody>
-          <a:bodyPr wrap="none" rtlCol="0">
-            <a:spAutoFit/>
-          </a:bodyPr>
-          <a:lstStyle/>
-          <a:p>
-            <a:r>
-              <a:rPr lang="en-US" dirty="0" smtClean="0"/>
-              <a:t>2 Missing Elements</a:t>
-            </a:r>
-            <a:endParaRPr lang="en-US" dirty="0"/>
-          </a:p>
-        </p:txBody>
-      </p:sp>
-      <p:sp>
-        <p:nvSpPr>
-          <p:cNvPr id="371" name="TextBox 370"/>
-          <p:cNvSpPr txBox="1"/>
-          <p:nvPr/>
-        </p:nvSpPr>
-        <p:spPr>
-          <a:xfrm>
-            <a:off x="3834284" y="5845726"/>
-            <a:ext cx="1897827" cy="369332"/>
-          </a:xfrm>
-          <a:prstGeom prst="rect">
-            <a:avLst/>
-          </a:prstGeom>
-          <a:noFill/>
-        </p:spPr>
-        <p:txBody>
-          <a:bodyPr wrap="none" rtlCol="0">
-            <a:spAutoFit/>
-          </a:bodyPr>
-          <a:lstStyle/>
-          <a:p>
-            <a:r>
-              <a:rPr lang="en-US" dirty="0" smtClean="0"/>
-              <a:t>1 Missing Element</a:t>
-            </a:r>
-            <a:endParaRPr lang="en-US" dirty="0"/>
-          </a:p>
-        </p:txBody>
-      </p:sp>
-      <p:sp>
-        <p:nvSpPr>
-          <p:cNvPr id="373" name="TextBox 372"/>
-          <p:cNvSpPr txBox="1"/>
-          <p:nvPr/>
-        </p:nvSpPr>
-        <p:spPr>
-          <a:xfrm>
-            <a:off x="6439322" y="5845726"/>
-            <a:ext cx="1987595" cy="369332"/>
-          </a:xfrm>
-          <a:prstGeom prst="rect">
-            <a:avLst/>
-          </a:prstGeom>
-          <a:noFill/>
-        </p:spPr>
-        <p:txBody>
-          <a:bodyPr wrap="none" rtlCol="0">
-            <a:spAutoFit/>
-          </a:bodyPr>
-          <a:lstStyle/>
-          <a:p>
-            <a:r>
-              <a:rPr lang="en-US" dirty="0" smtClean="0"/>
-              <a:t>2 Missing Elements</a:t>
-            </a:r>
-            <a:endParaRPr lang="en-US" dirty="0"/>
-          </a:p>
-        </p:txBody>
-      </p:sp>
-      <p:sp>
-        <p:nvSpPr>
-          <p:cNvPr id="374" name="TextBox 373"/>
-          <p:cNvSpPr txBox="1"/>
-          <p:nvPr/>
-        </p:nvSpPr>
-        <p:spPr>
-          <a:xfrm>
-            <a:off x="9183319" y="5845726"/>
-            <a:ext cx="1987595" cy="369332"/>
-          </a:xfrm>
-          <a:prstGeom prst="rect">
-            <a:avLst/>
-          </a:prstGeom>
-          <a:noFill/>
-        </p:spPr>
-        <p:txBody>
-          <a:bodyPr wrap="none" rtlCol="0">
-            <a:spAutoFit/>
-          </a:bodyPr>
-          <a:lstStyle/>
-          <a:p>
-            <a:r>
-              <a:rPr lang="en-US" dirty="0" smtClean="0"/>
-              <a:t>6 Missing Elements</a:t>
+              <a:t>Groups: 0 1 and 1 1</a:t>
             </a:r>
             <a:endParaRPr lang="en-US" dirty="0"/>
           </a:p>
